--- a/PPT/200226 1차발표_ppt.pptx
+++ b/PPT/200226 1차발표_ppt.pptx
@@ -222,7 +222,7 @@
           <a:p>
             <a:fld id="{85981EE3-C409-49F9-A66B-26BA52BF59EC}" type="datetimeFigureOut">
               <a:rPr lang="ko-KR" altLang="en-US" smtClean="0"/>
-              <a:t>2020-03-05</a:t>
+              <a:t>2020-03-23</a:t>
             </a:fld>
             <a:endParaRPr lang="ko-KR" altLang="en-US"/>
           </a:p>
@@ -1812,7 +1812,7 @@
           <a:p>
             <a:fld id="{1705F4F0-8896-454E-B6B8-1294314F5373}" type="datetimeFigureOut">
               <a:rPr lang="ko-KR" altLang="en-US" smtClean="0"/>
-              <a:t>2020-03-05</a:t>
+              <a:t>2020-03-23</a:t>
             </a:fld>
             <a:endParaRPr lang="ko-KR" altLang="en-US"/>
           </a:p>
@@ -2010,7 +2010,7 @@
           <a:p>
             <a:fld id="{1705F4F0-8896-454E-B6B8-1294314F5373}" type="datetimeFigureOut">
               <a:rPr lang="ko-KR" altLang="en-US" smtClean="0"/>
-              <a:t>2020-03-05</a:t>
+              <a:t>2020-03-23</a:t>
             </a:fld>
             <a:endParaRPr lang="ko-KR" altLang="en-US"/>
           </a:p>
@@ -2218,7 +2218,7 @@
           <a:p>
             <a:fld id="{1705F4F0-8896-454E-B6B8-1294314F5373}" type="datetimeFigureOut">
               <a:rPr lang="ko-KR" altLang="en-US" smtClean="0"/>
-              <a:t>2020-03-05</a:t>
+              <a:t>2020-03-23</a:t>
             </a:fld>
             <a:endParaRPr lang="ko-KR" altLang="en-US"/>
           </a:p>
@@ -2416,7 +2416,7 @@
           <a:p>
             <a:fld id="{1705F4F0-8896-454E-B6B8-1294314F5373}" type="datetimeFigureOut">
               <a:rPr lang="ko-KR" altLang="en-US" smtClean="0"/>
-              <a:t>2020-03-05</a:t>
+              <a:t>2020-03-23</a:t>
             </a:fld>
             <a:endParaRPr lang="ko-KR" altLang="en-US"/>
           </a:p>
@@ -2691,7 +2691,7 @@
           <a:p>
             <a:fld id="{1705F4F0-8896-454E-B6B8-1294314F5373}" type="datetimeFigureOut">
               <a:rPr lang="ko-KR" altLang="en-US" smtClean="0"/>
-              <a:t>2020-03-05</a:t>
+              <a:t>2020-03-23</a:t>
             </a:fld>
             <a:endParaRPr lang="ko-KR" altLang="en-US"/>
           </a:p>
@@ -2956,7 +2956,7 @@
           <a:p>
             <a:fld id="{1705F4F0-8896-454E-B6B8-1294314F5373}" type="datetimeFigureOut">
               <a:rPr lang="ko-KR" altLang="en-US" smtClean="0"/>
-              <a:t>2020-03-05</a:t>
+              <a:t>2020-03-23</a:t>
             </a:fld>
             <a:endParaRPr lang="ko-KR" altLang="en-US"/>
           </a:p>
@@ -3368,7 +3368,7 @@
           <a:p>
             <a:fld id="{1705F4F0-8896-454E-B6B8-1294314F5373}" type="datetimeFigureOut">
               <a:rPr lang="ko-KR" altLang="en-US" smtClean="0"/>
-              <a:t>2020-03-05</a:t>
+              <a:t>2020-03-23</a:t>
             </a:fld>
             <a:endParaRPr lang="ko-KR" altLang="en-US"/>
           </a:p>
@@ -3509,7 +3509,7 @@
           <a:p>
             <a:fld id="{1705F4F0-8896-454E-B6B8-1294314F5373}" type="datetimeFigureOut">
               <a:rPr lang="ko-KR" altLang="en-US" smtClean="0"/>
-              <a:t>2020-03-05</a:t>
+              <a:t>2020-03-23</a:t>
             </a:fld>
             <a:endParaRPr lang="ko-KR" altLang="en-US"/>
           </a:p>
@@ -3622,7 +3622,7 @@
           <a:p>
             <a:fld id="{1705F4F0-8896-454E-B6B8-1294314F5373}" type="datetimeFigureOut">
               <a:rPr lang="ko-KR" altLang="en-US" smtClean="0"/>
-              <a:t>2020-03-05</a:t>
+              <a:t>2020-03-23</a:t>
             </a:fld>
             <a:endParaRPr lang="ko-KR" altLang="en-US"/>
           </a:p>
@@ -3933,7 +3933,7 @@
           <a:p>
             <a:fld id="{1705F4F0-8896-454E-B6B8-1294314F5373}" type="datetimeFigureOut">
               <a:rPr lang="ko-KR" altLang="en-US" smtClean="0"/>
-              <a:t>2020-03-05</a:t>
+              <a:t>2020-03-23</a:t>
             </a:fld>
             <a:endParaRPr lang="ko-KR" altLang="en-US"/>
           </a:p>
@@ -4221,7 +4221,7 @@
           <a:p>
             <a:fld id="{1705F4F0-8896-454E-B6B8-1294314F5373}" type="datetimeFigureOut">
               <a:rPr lang="ko-KR" altLang="en-US" smtClean="0"/>
-              <a:t>2020-03-05</a:t>
+              <a:t>2020-03-23</a:t>
             </a:fld>
             <a:endParaRPr lang="ko-KR" altLang="en-US"/>
           </a:p>
@@ -4462,7 +4462,7 @@
           <a:p>
             <a:fld id="{1705F4F0-8896-454E-B6B8-1294314F5373}" type="datetimeFigureOut">
               <a:rPr lang="ko-KR" altLang="en-US" smtClean="0"/>
-              <a:t>2020-03-05</a:t>
+              <a:t>2020-03-23</a:t>
             </a:fld>
             <a:endParaRPr lang="ko-KR" altLang="en-US"/>
           </a:p>
@@ -5641,7 +5641,7 @@
         </p:blipFill>
         <p:spPr>
           <a:xfrm rot="1201997">
-            <a:off x="315873" y="310628"/>
+            <a:off x="348458" y="-2246"/>
             <a:ext cx="412125" cy="412125"/>
           </a:xfrm>
           <a:prstGeom prst="rect">
@@ -5663,7 +5663,7 @@
         </p:nvSpPr>
         <p:spPr>
           <a:xfrm>
-            <a:off x="914400" y="257655"/>
+            <a:off x="946985" y="-55219"/>
             <a:ext cx="2914022" cy="523220"/>
           </a:xfrm>
           <a:prstGeom prst="rect">
@@ -5885,7 +5885,7 @@
         </p:nvGrpSpPr>
         <p:grpSpPr>
           <a:xfrm>
-            <a:off x="9973019" y="6266770"/>
+            <a:off x="9987790" y="6649985"/>
             <a:ext cx="2272928" cy="638456"/>
             <a:chOff x="9932379" y="6131590"/>
             <a:chExt cx="2272928" cy="638456"/>
@@ -6151,10 +6151,10 @@
         </p:nvGrpSpPr>
         <p:grpSpPr>
           <a:xfrm>
-            <a:off x="1294816" y="1178301"/>
-            <a:ext cx="4136027" cy="4178274"/>
-            <a:chOff x="685838" y="1138826"/>
-            <a:chExt cx="3119381" cy="3109119"/>
+            <a:off x="1639019" y="1246379"/>
+            <a:ext cx="3313668" cy="4178274"/>
+            <a:chOff x="945435" y="1138826"/>
+            <a:chExt cx="2499160" cy="3109119"/>
           </a:xfrm>
         </p:grpSpPr>
         <p:sp>
@@ -6171,8 +6171,8 @@
           </p:nvSpPr>
           <p:spPr>
             <a:xfrm>
-              <a:off x="685838" y="1411293"/>
-              <a:ext cx="3119381" cy="2836652"/>
+              <a:off x="945435" y="1411293"/>
+              <a:ext cx="2499160" cy="2836652"/>
             </a:xfrm>
             <a:prstGeom prst="rect">
               <a:avLst/>
@@ -6279,175 +6279,6 @@
             </a:p>
           </p:txBody>
         </p:sp>
-        <p:cxnSp>
-          <p:nvCxnSpPr>
-            <p:cNvPr id="101" name="직선 연결선 100">
-              <a:extLst>
-                <a:ext uri="{FF2B5EF4-FFF2-40B4-BE49-F238E27FC236}">
-                  <a16:creationId xmlns:a16="http://schemas.microsoft.com/office/drawing/2014/main" id="{D9BB5088-6555-4E2B-9FBB-A79B84E0644D}"/>
-                </a:ext>
-              </a:extLst>
-            </p:cNvPr>
-            <p:cNvCxnSpPr>
-              <a:cxnSpLocks/>
-            </p:cNvCxnSpPr>
-            <p:nvPr/>
-          </p:nvCxnSpPr>
-          <p:spPr>
-            <a:xfrm flipH="1">
-              <a:off x="1687718" y="2728733"/>
-              <a:ext cx="1106321" cy="0"/>
-            </a:xfrm>
-            <a:prstGeom prst="line">
-              <a:avLst/>
-            </a:prstGeom>
-            <a:solidFill>
-              <a:srgbClr val="E994B7"/>
-            </a:solidFill>
-            <a:ln w="114300">
-              <a:solidFill>
-                <a:schemeClr val="accent5">
-                  <a:lumMod val="50000"/>
-                </a:schemeClr>
-              </a:solidFill>
-            </a:ln>
-          </p:spPr>
-          <p:style>
-            <a:lnRef idx="1">
-              <a:schemeClr val="accent1"/>
-            </a:lnRef>
-            <a:fillRef idx="0">
-              <a:schemeClr val="accent1"/>
-            </a:fillRef>
-            <a:effectRef idx="0">
-              <a:schemeClr val="accent1"/>
-            </a:effectRef>
-            <a:fontRef idx="minor">
-              <a:schemeClr val="tx1"/>
-            </a:fontRef>
-          </p:style>
-        </p:cxnSp>
-        <p:sp>
-          <p:nvSpPr>
-            <p:cNvPr id="102" name="화살표: 아래쪽 197">
-              <a:extLst>
-                <a:ext uri="{FF2B5EF4-FFF2-40B4-BE49-F238E27FC236}">
-                  <a16:creationId xmlns:a16="http://schemas.microsoft.com/office/drawing/2014/main" id="{B8C42338-4780-447E-BBE8-96EC02D13221}"/>
-                </a:ext>
-              </a:extLst>
-            </p:cNvPr>
-            <p:cNvSpPr/>
-            <p:nvPr/>
-          </p:nvSpPr>
-          <p:spPr>
-            <a:xfrm>
-              <a:off x="2601208" y="2697748"/>
-              <a:ext cx="269845" cy="367393"/>
-            </a:xfrm>
-            <a:prstGeom prst="downArrow">
-              <a:avLst/>
-            </a:prstGeom>
-            <a:solidFill>
-              <a:schemeClr val="accent5">
-                <a:lumMod val="50000"/>
-              </a:schemeClr>
-            </a:solidFill>
-            <a:ln>
-              <a:noFill/>
-            </a:ln>
-          </p:spPr>
-          <p:style>
-            <a:lnRef idx="2">
-              <a:schemeClr val="accent1">
-                <a:shade val="50000"/>
-              </a:schemeClr>
-            </a:lnRef>
-            <a:fillRef idx="1">
-              <a:schemeClr val="accent1"/>
-            </a:fillRef>
-            <a:effectRef idx="0">
-              <a:schemeClr val="accent1"/>
-            </a:effectRef>
-            <a:fontRef idx="minor">
-              <a:schemeClr val="lt1"/>
-            </a:fontRef>
-          </p:style>
-          <p:txBody>
-            <a:bodyPr rtlCol="0" anchor="ctr"/>
-            <a:lstStyle/>
-            <a:p>
-              <a:pPr algn="ctr"/>
-              <a:endParaRPr lang="ko-KR" altLang="en-US" dirty="0">
-                <a:latin typeface="나눔바른펜" panose="020B0503000000000000" pitchFamily="50" charset="-127"/>
-                <a:ea typeface="나눔바른펜" panose="020B0503000000000000" pitchFamily="50" charset="-127"/>
-              </a:endParaRPr>
-            </a:p>
-          </p:txBody>
-        </p:sp>
-        <p:sp>
-          <p:nvSpPr>
-            <p:cNvPr id="104" name="TextBox 103">
-              <a:extLst>
-                <a:ext uri="{FF2B5EF4-FFF2-40B4-BE49-F238E27FC236}">
-                  <a16:creationId xmlns:a16="http://schemas.microsoft.com/office/drawing/2014/main" id="{EA08CE11-AAD4-4618-8ED4-03542B70B910}"/>
-                </a:ext>
-              </a:extLst>
-            </p:cNvPr>
-            <p:cNvSpPr txBox="1"/>
-            <p:nvPr/>
-          </p:nvSpPr>
-          <p:spPr>
-            <a:xfrm>
-              <a:off x="2280978" y="3869351"/>
-              <a:ext cx="932366" cy="297728"/>
-            </a:xfrm>
-            <a:prstGeom prst="rect">
-              <a:avLst/>
-            </a:prstGeom>
-            <a:noFill/>
-          </p:spPr>
-          <p:txBody>
-            <a:bodyPr wrap="none" rtlCol="0">
-              <a:spAutoFit/>
-            </a:bodyPr>
-            <a:lstStyle/>
-            <a:p>
-              <a:r>
-                <a:rPr lang="ko-KR" altLang="en-US" sz="2000" b="1" dirty="0" err="1" smtClean="0">
-                  <a:solidFill>
-                    <a:schemeClr val="tx2">
-                      <a:lumMod val="50000"/>
-                    </a:schemeClr>
-                  </a:solidFill>
-                  <a:latin typeface="나눔바른펜" panose="020B0503000000000000" pitchFamily="50" charset="-127"/>
-                  <a:ea typeface="나눔바른펜" panose="020B0503000000000000" pitchFamily="50" charset="-127"/>
-                </a:rPr>
-                <a:t>자동릴</a:t>
-              </a:r>
-              <a:r>
-                <a:rPr lang="ko-KR" altLang="en-US" sz="2000" b="1" dirty="0" smtClean="0">
-                  <a:solidFill>
-                    <a:schemeClr val="tx2">
-                      <a:lumMod val="50000"/>
-                    </a:schemeClr>
-                  </a:solidFill>
-                  <a:latin typeface="나눔바른펜" panose="020B0503000000000000" pitchFamily="50" charset="-127"/>
-                  <a:ea typeface="나눔바른펜" panose="020B0503000000000000" pitchFamily="50" charset="-127"/>
-                </a:rPr>
-                <a:t> 포획</a:t>
-              </a:r>
-              <a:endParaRPr lang="ko-KR" altLang="en-US" sz="2000" b="1" dirty="0">
-                <a:solidFill>
-                  <a:schemeClr val="tx2">
-                    <a:lumMod val="50000"/>
-                  </a:schemeClr>
-                </a:solidFill>
-                <a:latin typeface="나눔바른펜" panose="020B0503000000000000" pitchFamily="50" charset="-127"/>
-                <a:ea typeface="나눔바른펜" panose="020B0503000000000000" pitchFamily="50" charset="-127"/>
-              </a:endParaRPr>
-            </a:p>
-          </p:txBody>
-        </p:sp>
         <p:sp>
           <p:nvSpPr>
             <p:cNvPr id="105" name="화살표: 아래쪽 196">
@@ -6522,7 +6353,7 @@
           </p:nvSpPr>
           <p:spPr>
             <a:xfrm>
-              <a:off x="1360991" y="3874804"/>
+              <a:off x="1841219" y="3874804"/>
               <a:ext cx="780034" cy="297728"/>
             </a:xfrm>
             <a:prstGeom prst="rect">
@@ -6624,7 +6455,7 @@
           </p:blipFill>
           <p:spPr bwMode="auto">
             <a:xfrm>
-              <a:off x="1318925" y="3088905"/>
+              <a:off x="1799153" y="3088905"/>
               <a:ext cx="843756" cy="834393"/>
             </a:xfrm>
             <a:prstGeom prst="rect">
@@ -6656,8 +6487,8 @@
           </p:nvSpPr>
           <p:spPr>
             <a:xfrm>
-              <a:off x="1614134" y="2697748"/>
-              <a:ext cx="269845" cy="367393"/>
+              <a:off x="2138899" y="2697748"/>
+              <a:ext cx="255932" cy="367393"/>
             </a:xfrm>
             <a:prstGeom prst="downArrow">
               <a:avLst/>
@@ -6700,76 +6531,6 @@
           </p:txBody>
         </p:sp>
       </p:grpSp>
-      <p:pic>
-        <p:nvPicPr>
-          <p:cNvPr id="1026" name="Picture 2" descr="낚시대 일러스트 이미지 검색결과"/>
-          <p:cNvPicPr>
-            <a:picLocks noChangeAspect="1" noChangeArrowheads="1"/>
-          </p:cNvPicPr>
-          <p:nvPr/>
-        </p:nvPicPr>
-        <p:blipFill rotWithShape="1">
-          <a:blip r:embed="rId8">
-            <a:clrChange>
-              <a:clrFrom>
-                <a:srgbClr val="A6D6CD"/>
-              </a:clrFrom>
-              <a:clrTo>
-                <a:srgbClr val="A6D6CD">
-                  <a:alpha val="0"/>
-                </a:srgbClr>
-              </a:clrTo>
-            </a:clrChange>
-            <a:extLst>
-              <a:ext uri="{BEBA8EAE-BF5A-486C-A8C5-ECC9F3942E4B}">
-                <a14:imgProps xmlns:a14="http://schemas.microsoft.com/office/drawing/2010/main">
-                  <a14:imgLayer r:embed="rId9">
-                    <a14:imgEffect>
-                      <a14:backgroundRemoval t="0" b="89844" l="9938" r="99793">
-                        <a14:foregroundMark x1="80124" y1="4492" x2="38923" y2="56055"/>
-                        <a14:foregroundMark x1="45549" y1="41016" x2="55072" y2="41797"/>
-                        <a14:foregroundMark x1="64596" y1="33398" x2="68116" y2="36719"/>
-                        <a14:foregroundMark x1="46584" y1="27148" x2="46584" y2="27148"/>
-                        <a14:foregroundMark x1="50932" y1="27344" x2="53209" y2="27344"/>
-                        <a14:foregroundMark x1="78882" y1="9180" x2="79503" y2="39258"/>
-                        <a14:foregroundMark x1="79710" y1="41602" x2="79503" y2="42773"/>
-                        <a14:foregroundMark x1="81781" y1="36523" x2="82816" y2="36328"/>
-                        <a14:foregroundMark x1="83023" y1="36328" x2="83644" y2="35547"/>
-                        <a14:foregroundMark x1="62526" y1="50000" x2="60870" y2="72266"/>
-                        <a14:foregroundMark x1="42029" y1="35742" x2="43271" y2="49414"/>
-                      </a14:backgroundRemoval>
-                    </a14:imgEffect>
-                  </a14:imgLayer>
-                </a14:imgProps>
-              </a:ext>
-              <a:ext uri="{28A0092B-C50C-407E-A947-70E740481C1C}">
-                <a14:useLocalDpi xmlns:a14="http://schemas.microsoft.com/office/drawing/2010/main" val="0"/>
-              </a:ext>
-            </a:extLst>
-          </a:blip>
-          <a:srcRect b="15150"/>
-          <a:stretch/>
-        </p:blipFill>
-        <p:spPr bwMode="auto">
-          <a:xfrm>
-            <a:off x="3303600" y="3493262"/>
-            <a:ext cx="1448703" cy="1303025"/>
-          </a:xfrm>
-          <a:prstGeom prst="rect">
-            <a:avLst/>
-          </a:prstGeom>
-          <a:noFill/>
-          <a:extLst>
-            <a:ext uri="{909E8E84-426E-40DD-AFC4-6F175D3DCCD1}">
-              <a14:hiddenFill xmlns:a14="http://schemas.microsoft.com/office/drawing/2010/main">
-                <a:solidFill>
-                  <a:srgbClr val="FFFFFF"/>
-                </a:solidFill>
-              </a14:hiddenFill>
-            </a:ext>
-          </a:extLst>
-        </p:spPr>
-      </p:pic>
       <p:grpSp>
         <p:nvGrpSpPr>
           <p:cNvPr id="3" name="그룹 2"/>
@@ -6799,7 +6560,7 @@
             <p:nvPr/>
           </p:nvPicPr>
           <p:blipFill rotWithShape="1">
-            <a:blip r:embed="rId10" cstate="print">
+            <a:blip r:embed="rId8" cstate="print">
               <a:clrChange>
                 <a:clrFrom>
                   <a:srgbClr val="FFFFFF"/>
@@ -6854,7 +6615,7 @@
             <p:nvPr/>
           </p:nvPicPr>
           <p:blipFill rotWithShape="1">
-            <a:blip r:embed="rId11">
+            <a:blip r:embed="rId9">
               <a:clrChange>
                 <a:clrFrom>
                   <a:srgbClr val="FFFFFF"/>
@@ -6903,7 +6664,7 @@
             <p:nvPr/>
           </p:nvPicPr>
           <p:blipFill rotWithShape="1">
-            <a:blip r:embed="rId12" cstate="print">
+            <a:blip r:embed="rId10" cstate="print">
               <a:extLst>
                 <a:ext uri="{28A0092B-C50C-407E-A947-70E740481C1C}">
                   <a14:useLocalDpi xmlns:a14="http://schemas.microsoft.com/office/drawing/2010/main" val="0"/>
@@ -6942,7 +6703,7 @@
             <p:nvPr/>
           </p:nvPicPr>
           <p:blipFill>
-            <a:blip r:embed="rId13" cstate="print">
+            <a:blip r:embed="rId11" cstate="print">
               <a:extLst>
                 <a:ext uri="{28A0092B-C50C-407E-A947-70E740481C1C}">
                   <a14:useLocalDpi xmlns:a14="http://schemas.microsoft.com/office/drawing/2010/main" val="0"/>
@@ -7597,7 +7358,7 @@
             <p:nvPr/>
           </p:nvPicPr>
           <p:blipFill>
-            <a:blip r:embed="rId14" cstate="print">
+            <a:blip r:embed="rId12" cstate="print">
               <a:extLst>
                 <a:ext uri="{28A0092B-C50C-407E-A947-70E740481C1C}">
                   <a14:useLocalDpi xmlns:a14="http://schemas.microsoft.com/office/drawing/2010/main" val="0"/>
@@ -8324,7 +8085,7 @@
           <p:nvPr/>
         </p:nvPicPr>
         <p:blipFill>
-          <a:blip r:embed="rId15" cstate="print">
+          <a:blip r:embed="rId13" cstate="print">
             <a:extLst>
               <a:ext uri="{28A0092B-C50C-407E-A947-70E740481C1C}">
                 <a14:useLocalDpi xmlns:a14="http://schemas.microsoft.com/office/drawing/2010/main" val="0"/>
@@ -8365,7 +8126,7 @@
           <p:nvPr/>
         </p:nvPicPr>
         <p:blipFill rotWithShape="1">
-          <a:blip r:embed="rId16" cstate="hqprint">
+          <a:blip r:embed="rId14" cstate="hqprint">
             <a:extLst>
               <a:ext uri="{28A0092B-C50C-407E-A947-70E740481C1C}">
                 <a14:useLocalDpi xmlns:a14="http://schemas.microsoft.com/office/drawing/2010/main" val="0"/>
@@ -8573,7 +8334,7 @@
           <p:nvPr/>
         </p:nvPicPr>
         <p:blipFill rotWithShape="1">
-          <a:blip r:embed="rId17" cstate="hqprint">
+          <a:blip r:embed="rId15" cstate="hqprint">
             <a:clrChange>
               <a:clrFrom>
                 <a:srgbClr val="FFFFFF"/>
@@ -8622,7 +8383,7 @@
           <p:nvPr/>
         </p:nvPicPr>
         <p:blipFill>
-          <a:blip r:embed="rId18">
+          <a:blip r:embed="rId16">
             <a:clrChange>
               <a:clrFrom>
                 <a:srgbClr val="000000"/>
@@ -37249,13 +37010,13 @@
           <p:nvPr>
             <p:extLst>
               <p:ext uri="{D42A27DB-BD31-4B8C-83A1-F6EECF244321}">
-                <p14:modId xmlns:p14="http://schemas.microsoft.com/office/powerpoint/2010/main" val="1007246352"/>
+                <p14:modId xmlns:p14="http://schemas.microsoft.com/office/powerpoint/2010/main" val="964272996"/>
               </p:ext>
             </p:extLst>
           </p:nvPr>
         </p:nvGraphicFramePr>
         <p:xfrm>
-          <a:off x="1688967" y="832782"/>
+          <a:off x="1688967" y="806904"/>
           <a:ext cx="8821917" cy="5786722"/>
         </p:xfrm>
         <a:graphic>
